--- a/trunk/design/shiny and others/Using Web APIs from R.pptx
+++ b/trunk/design/shiny and others/Using Web APIs from R.pptx
@@ -262,12 +262,12 @@
             <a:pPr>
               <a:defRPr/>
             </a:pPr>
-            <a:fld id="{E334E4E0-DCCD-4254-A06F-66B6930A1677}" type="datetimeFigureOut">
+            <a:fld id="{30D0ED3D-7F1F-467B-AF61-E56A48C78F8B}" type="datetimeFigureOut">
               <a:rPr lang="en-US"/>
               <a:pPr>
                 <a:defRPr/>
               </a:pPr>
-              <a:t>10/13/2017</a:t>
+              <a:t>10/18/2017</a:t>
             </a:fld>
             <a:endParaRPr lang="en-US" dirty="0"/>
           </a:p>
@@ -355,7 +355,7 @@
             <a:pPr>
               <a:defRPr/>
             </a:pPr>
-            <a:fld id="{EF788CD7-4F8E-424D-94AC-7A1930E7F45E}" type="slidenum">
+            <a:fld id="{C44E142D-8116-44B2-9729-0DC5ACCD154C}" type="slidenum">
               <a:rPr lang="en-US"/>
               <a:pPr>
                 <a:defRPr/>
@@ -676,7 +676,7 @@
       </p:grpSpPr>
       <p:sp>
         <p:nvSpPr>
-          <p:cNvPr id="15361" name="Slide Image Placeholder 1"/>
+          <p:cNvPr id="16385" name="Slide Image Placeholder 1"/>
           <p:cNvSpPr>
             <a:spLocks noGrp="1" noRot="1" noChangeAspect="1"/>
           </p:cNvSpPr>
@@ -988,7 +988,7 @@
               </a:spcAft>
               <a:defRPr/>
             </a:pPr>
-            <a:fld id="{4CC164AC-8206-4614-A18E-5FA0DB698242}" type="slidenum">
+            <a:fld id="{90A7AF97-AEFE-4818-83A4-450FC55322DC}" type="slidenum">
               <a:rPr lang="en-US" sz="800">
                 <a:solidFill>
                   <a:prstClr val="white">
@@ -5489,9 +5489,6 @@
           <a:bodyPr lIns="91430" tIns="45715" rIns="91430" bIns="45715" anchor="ctr"/>
           <a:lstStyle/>
           <a:p>
-            <a:pPr>
-              <a:defRPr/>
-            </a:pPr>
             <a:endParaRPr lang="ja-JP" altLang="en-US">
               <a:solidFill>
                 <a:srgbClr val="FFFFFF"/>
@@ -6567,7 +6564,7 @@
               </a:spcAft>
               <a:defRPr/>
             </a:pPr>
-            <a:fld id="{4888BC1E-DA3F-4AA5-A6E5-4B2F2E79AF2C}" type="slidenum">
+            <a:fld id="{1CD0DC06-3508-48BB-9AEC-3A81FACE46B5}" type="slidenum">
               <a:rPr lang="en-US" sz="800">
                 <a:solidFill>
                   <a:prstClr val="white">
@@ -11042,9 +11039,6 @@
           <a:bodyPr lIns="91430" tIns="45715" rIns="91430" bIns="45715" anchor="ctr"/>
           <a:lstStyle/>
           <a:p>
-            <a:pPr>
-              <a:defRPr/>
-            </a:pPr>
             <a:endParaRPr lang="ja-JP" altLang="en-US">
               <a:solidFill>
                 <a:srgbClr val="FFFFFF"/>
@@ -16106,9 +16100,6 @@
           <a:bodyPr lIns="91430" tIns="45715" rIns="91430" bIns="45715" anchor="ctr"/>
           <a:lstStyle/>
           <a:p>
-            <a:pPr>
-              <a:defRPr/>
-            </a:pPr>
             <a:endParaRPr lang="ja-JP" altLang="en-US">
               <a:solidFill>
                 <a:srgbClr val="FFFFFF"/>
@@ -16254,7 +16245,7 @@
               </a:spcAft>
               <a:defRPr/>
             </a:pPr>
-            <a:fld id="{8B34E5C2-7084-470B-8626-20BCD183C83A}" type="slidenum">
+            <a:fld id="{FF47C1CC-997D-473F-957F-7785A76B7D1B}" type="slidenum">
               <a:rPr lang="en-US" sz="800">
                 <a:solidFill>
                   <a:prstClr val="white">
@@ -20860,9 +20851,6 @@
           <a:bodyPr lIns="91430" tIns="45715" rIns="91430" bIns="45715" anchor="ctr"/>
           <a:lstStyle/>
           <a:p>
-            <a:pPr>
-              <a:defRPr/>
-            </a:pPr>
             <a:endParaRPr lang="ja-JP" altLang="en-US">
               <a:solidFill>
                 <a:srgbClr val="FFFFFF"/>
@@ -21177,7 +21165,7 @@
               </a:spcAft>
               <a:defRPr/>
             </a:pPr>
-            <a:fld id="{08F15B55-8541-416C-8C1F-55CCA37B4905}" type="slidenum">
+            <a:fld id="{5975F63E-05B0-48B0-839F-6948460E0409}" type="slidenum">
               <a:rPr lang="en-US" sz="800">
                 <a:solidFill>
                   <a:srgbClr val="414141">
@@ -21255,9 +21243,6 @@
             <a:bodyPr anchor="ctr"/>
             <a:lstStyle/>
             <a:p>
-              <a:pPr>
-                <a:defRPr/>
-              </a:pPr>
               <a:endParaRPr lang="ja-JP" altLang="en-US">
                 <a:solidFill>
                   <a:srgbClr val="FFFFFF"/>
@@ -21311,9 +21296,6 @@
               <a:bodyPr wrap="none" anchor="ctr"/>
               <a:lstStyle/>
               <a:p>
-                <a:pPr>
-                  <a:defRPr/>
-                </a:pPr>
                 <a:endParaRPr lang="ja-JP" altLang="en-US">
                   <a:solidFill>
                     <a:srgbClr val="000000"/>
@@ -21351,9 +21333,6 @@
               <a:bodyPr wrap="none" anchor="ctr"/>
               <a:lstStyle/>
               <a:p>
-                <a:pPr>
-                  <a:defRPr/>
-                </a:pPr>
                 <a:endParaRPr lang="ja-JP" altLang="en-US">
                   <a:solidFill>
                     <a:srgbClr val="000000"/>
@@ -26214,7 +26193,7 @@
       </p:sp>
       <p:sp>
         <p:nvSpPr>
-          <p:cNvPr id="14338" name="Text Placeholder 19"/>
+          <p:cNvPr id="15362" name="Text Placeholder 19"/>
           <p:cNvSpPr>
             <a:spLocks noGrp="1"/>
           </p:cNvSpPr>
@@ -26306,7 +26285,7 @@
       </p:grpSpPr>
       <p:sp>
         <p:nvSpPr>
-          <p:cNvPr id="16385" name="Rectangle 37"/>
+          <p:cNvPr id="17409" name="Rectangle 37"/>
           <p:cNvSpPr>
             <a:spLocks noChangeArrowheads="1"/>
           </p:cNvSpPr>
@@ -26472,7 +26451,7 @@
       </p:sp>
       <p:sp>
         <p:nvSpPr>
-          <p:cNvPr id="16386" name="Rectangle 38"/>
+          <p:cNvPr id="17410" name="Rectangle 38"/>
           <p:cNvSpPr>
             <a:spLocks/>
           </p:cNvSpPr>
@@ -26548,7 +26527,7 @@
       </p:grpSpPr>
       <p:sp>
         <p:nvSpPr>
-          <p:cNvPr id="24578" name="Rectangle 37"/>
+          <p:cNvPr id="18433" name="Rectangle 37"/>
           <p:cNvSpPr>
             <a:spLocks noChangeArrowheads="1"/>
           </p:cNvSpPr>
@@ -26830,7 +26809,7 @@
       </p:sp>
       <p:sp>
         <p:nvSpPr>
-          <p:cNvPr id="24579" name="Rectangle 38"/>
+          <p:cNvPr id="18434" name="Rectangle 38"/>
           <p:cNvSpPr>
             <a:spLocks/>
           </p:cNvSpPr>
@@ -26898,7 +26877,7 @@
       </p:grpSpPr>
       <p:sp>
         <p:nvSpPr>
-          <p:cNvPr id="25602" name="Rectangle 37"/>
+          <p:cNvPr id="19457" name="Rectangle 37"/>
           <p:cNvSpPr>
             <a:spLocks noChangeArrowheads="1"/>
           </p:cNvSpPr>
@@ -26906,8 +26885,8 @@
         </p:nvSpPr>
         <p:spPr bwMode="auto">
           <a:xfrm>
-            <a:off x="457200" y="942975"/>
-            <a:ext cx="8229600" cy="3746500"/>
+            <a:off x="457200" y="895350"/>
+            <a:ext cx="8229600" cy="3994150"/>
           </a:xfrm>
           <a:prstGeom prst="rect">
             <a:avLst/>
@@ -26945,7 +26924,7 @@
           <a:p>
             <a:pPr marL="742950" lvl="1" indent="-285750" eaLnBrk="0" hangingPunct="0">
               <a:spcBef>
-                <a:spcPts val="1200"/>
+                <a:spcPts val="600"/>
               </a:spcBef>
               <a:spcAft>
                 <a:spcPts val="600"/>
@@ -26988,6 +26967,32 @@
             </a:r>
           </a:p>
           <a:p>
+            <a:pPr marL="742950" lvl="1" indent="-285750" eaLnBrk="0" hangingPunct="0">
+              <a:spcBef>
+                <a:spcPts val="600"/>
+              </a:spcBef>
+              <a:spcAft>
+                <a:spcPts val="600"/>
+              </a:spcAft>
+              <a:buClr>
+                <a:srgbClr val="CC0000"/>
+              </a:buClr>
+              <a:buFontTx/>
+              <a:buChar char="•"/>
+            </a:pPr>
+            <a:r>
+              <a:rPr lang="en-US" altLang="ja-JP" sz="1200"/>
+              <a:t>Web client: curl - </a:t>
+            </a:r>
+            <a:r>
+              <a:rPr lang="en-US" altLang="ja-JP" sz="1200">
+                <a:hlinkClick r:id="rId3"/>
+              </a:rPr>
+              <a:t>https://cran.r-project.org/web/packages/curl/index.html</a:t>
+            </a:r>
+            <a:endParaRPr lang="en-US" altLang="ja-JP" sz="1200"/>
+          </a:p>
+          <a:p>
             <a:pPr marL="279400" indent="-279400" eaLnBrk="0" hangingPunct="0">
               <a:spcBef>
                 <a:spcPts val="600"/>
@@ -27026,7 +27031,7 @@
             </a:r>
             <a:r>
               <a:rPr lang="en-US" altLang="ja-JP" sz="1200">
-                <a:hlinkClick r:id="rId3"/>
+                <a:hlinkClick r:id="rId4"/>
               </a:rPr>
               <a:t>https://cran.r-project.org/web/packages/jsonlite/index.html</a:t>
             </a:r>
@@ -27052,7 +27057,7 @@
             </a:r>
             <a:r>
               <a:rPr lang="en-US" altLang="ja-JP" sz="1200">
-                <a:hlinkClick r:id="rId4"/>
+                <a:hlinkClick r:id="rId5"/>
               </a:rPr>
               <a:t>https://cran.r-project.org/web/packages/xml2/index.html</a:t>
             </a:r>
@@ -27138,7 +27143,7 @@
       </p:sp>
       <p:sp>
         <p:nvSpPr>
-          <p:cNvPr id="25603" name="Rectangle 38"/>
+          <p:cNvPr id="19458" name="Rectangle 38"/>
           <p:cNvSpPr>
             <a:spLocks/>
           </p:cNvSpPr>
@@ -27222,7 +27227,7 @@
       </p:grpSpPr>
       <p:sp>
         <p:nvSpPr>
-          <p:cNvPr id="26626" name="Rectangle 37"/>
+          <p:cNvPr id="20481" name="Rectangle 37"/>
           <p:cNvSpPr>
             <a:spLocks noChangeArrowheads="1"/>
           </p:cNvSpPr>
@@ -27454,7 +27459,7 @@
       </p:sp>
       <p:sp>
         <p:nvSpPr>
-          <p:cNvPr id="26627" name="Rectangle 38"/>
+          <p:cNvPr id="20482" name="Rectangle 38"/>
           <p:cNvSpPr>
             <a:spLocks/>
           </p:cNvSpPr>
@@ -27522,7 +27527,7 @@
       </p:grpSpPr>
       <p:sp>
         <p:nvSpPr>
-          <p:cNvPr id="27650" name="Rectangle 37"/>
+          <p:cNvPr id="21505" name="Rectangle 37"/>
           <p:cNvSpPr>
             <a:spLocks noChangeArrowheads="1"/>
           </p:cNvSpPr>
@@ -27671,7 +27676,7 @@
       </p:sp>
       <p:sp>
         <p:nvSpPr>
-          <p:cNvPr id="27651" name="Rectangle 38"/>
+          <p:cNvPr id="21506" name="Rectangle 38"/>
           <p:cNvSpPr>
             <a:spLocks/>
           </p:cNvSpPr>
